--- a/14.The Tds Relations.pptx
+++ b/14.The Tds Relations.pptx
@@ -21181,7 +21181,7 @@
           </a:bodyPr>
           <a:lstStyle/>
           <a:p>
-            <a:pPr marL="0" marR="0" lvl="0" indent="0" rtl="0">
+            <a:pPr marL="0" marR="0" lvl="0" indent="0" algn="ctr" rtl="0">
               <a:spcBef>
                 <a:spcPts val="0"/>
               </a:spcBef>
@@ -21194,7 +21194,7 @@
               <a:rPr lang="en-US" dirty="0">
                 <a:hlinkClick r:id="rId3"/>
               </a:rPr>
-              <a:t>Example 3</a:t>
+              <a:t>Solution</a:t>
             </a:r>
             <a:endParaRPr sz="3200" b="1" i="0" u="none" strike="noStrike" cap="none" dirty="0">
               <a:solidFill>
@@ -24993,7 +24993,7 @@
           </a:bodyPr>
           <a:lstStyle/>
           <a:p>
-            <a:pPr marL="0" marR="0" lvl="0" indent="0" algn="l" rtl="0">
+            <a:pPr marL="0" marR="0" lvl="0" indent="0" algn="ctr" rtl="0">
               <a:spcBef>
                 <a:spcPts val="0"/>
               </a:spcBef>
@@ -25006,7 +25006,7 @@
               <a:rPr lang="en-US" dirty="0">
                 <a:hlinkClick r:id="rId3"/>
               </a:rPr>
-              <a:t>Example 4</a:t>
+              <a:t>Solution</a:t>
             </a:r>
             <a:endParaRPr sz="3200" b="1" i="0" u="none" strike="noStrike" cap="none" dirty="0">
               <a:solidFill>
@@ -26343,7 +26343,7 @@
           </a:bodyPr>
           <a:lstStyle/>
           <a:p>
-            <a:pPr marL="0" marR="0" lvl="0" indent="0" algn="l" rtl="0">
+            <a:pPr marL="0" marR="0" lvl="0" indent="0" algn="ctr" rtl="0">
               <a:spcBef>
                 <a:spcPts val="0"/>
               </a:spcBef>
@@ -26356,7 +26356,7 @@
               <a:rPr lang="en-US" dirty="0">
                 <a:hlinkClick r:id="rId3"/>
               </a:rPr>
-              <a:t>Example 5</a:t>
+              <a:t>Solution</a:t>
             </a:r>
             <a:endParaRPr sz="3200" b="1" i="0" u="none" strike="noStrike" cap="none" dirty="0">
               <a:solidFill>
@@ -30938,7 +30938,7 @@
               <a:buNone/>
             </a:pPr>
             <a:r>
-              <a:rPr lang="en-US" sz="2000" b="0" i="0" u="none" strike="noStrike" cap="none">
+              <a:rPr lang="en-US" sz="2000" b="0" i="0" u="none" strike="noStrike" cap="none" dirty="0">
                 <a:solidFill>
                   <a:schemeClr val="dk1"/>
                 </a:solidFill>
@@ -30950,7 +30950,7 @@
               <a:t>Liquid methane is commonly used in various cryogenic applications. The critical temperature of methane is 191</a:t>
             </a:r>
             <a:r>
-              <a:rPr lang="en-US" sz="2000" b="0" i="0" u="none" strike="noStrike" cap="none" baseline="30000">
+              <a:rPr lang="en-US" sz="2000" b="0" i="0" u="none" strike="noStrike" cap="none" baseline="30000" dirty="0">
                 <a:solidFill>
                   <a:schemeClr val="dk1"/>
                 </a:solidFill>
@@ -30962,7 +30962,7 @@
               <a:t> </a:t>
             </a:r>
             <a:r>
-              <a:rPr lang="en-US" sz="2000" b="0" i="0" u="none" strike="noStrike" cap="none">
+              <a:rPr lang="en-US" sz="2000" b="0" i="0" u="none" strike="noStrike" cap="none" dirty="0">
                 <a:solidFill>
                   <a:schemeClr val="dk1"/>
                 </a:solidFill>
@@ -30974,7 +30974,7 @@
               <a:t>K and must be maintained below this temperature to remain in the liquid phase. Methane enters a pump at 110 K and 1 MPa and leaves at 120 K and 5 MPa. Determine the entropy change during this process by (a) using the table below and (b) using the </a:t>
             </a:r>
             <a:r>
-              <a:rPr lang="en-US" sz="2000" b="0" i="1" u="none" strike="noStrike" cap="none">
+              <a:rPr lang="en-US" sz="2000" b="0" i="1" u="none" strike="noStrike" cap="none" dirty="0" err="1">
                 <a:solidFill>
                   <a:schemeClr val="dk1"/>
                 </a:solidFill>
@@ -30986,7 +30986,7 @@
               <a:t>Tds</a:t>
             </a:r>
             <a:r>
-              <a:rPr lang="en-US" sz="2000" b="0" i="0" u="none" strike="noStrike" cap="none">
+              <a:rPr lang="en-US" sz="2000" b="0" i="0" u="none" strike="noStrike" cap="none" dirty="0">
                 <a:solidFill>
                   <a:schemeClr val="dk1"/>
                 </a:solidFill>
@@ -30997,7 +30997,7 @@
               </a:rPr>
               <a:t> relations.</a:t>
             </a:r>
-            <a:endParaRPr/>
+            <a:endParaRPr dirty="0"/>
           </a:p>
           <a:p>
             <a:pPr marL="0" marR="0" lvl="0" indent="0" algn="l" rtl="0">
@@ -31015,7 +31015,7 @@
               <a:buNone/>
             </a:pPr>
             <a:r>
-              <a:rPr lang="en-US" sz="2000" b="0" i="0" u="none" strike="noStrike" cap="none">
+              <a:rPr lang="en-US" sz="2000" b="0" i="0" u="none" strike="noStrike" cap="none" dirty="0">
                 <a:solidFill>
                   <a:schemeClr val="dk1"/>
                 </a:solidFill>
@@ -31026,7 +31026,7 @@
               </a:rPr>
               <a:t> </a:t>
             </a:r>
-            <a:endParaRPr sz="2000" b="0" i="0" u="none" strike="noStrike" cap="none">
+            <a:endParaRPr sz="2000" b="0" i="0" u="none" strike="noStrike" cap="none" dirty="0">
               <a:solidFill>
                 <a:schemeClr val="dk1"/>
               </a:solidFill>
@@ -33334,14 +33334,14 @@
                         <a:buNone/>
                       </a:pPr>
                       <a:r>
-                        <a:rPr lang="en-US" sz="1600">
+                        <a:rPr lang="en-US" sz="1600" dirty="0">
                           <a:solidFill>
                             <a:schemeClr val="dk1"/>
                           </a:solidFill>
                         </a:rPr>
                         <a:t>426.6</a:t>
                       </a:r>
-                      <a:endParaRPr sz="1600">
+                      <a:endParaRPr sz="1600" dirty="0">
                         <a:solidFill>
                           <a:schemeClr val="dk1"/>
                         </a:solidFill>
@@ -35920,14 +35920,14 @@
                         <a:buNone/>
                       </a:pPr>
                       <a:r>
-                        <a:rPr lang="en-US" sz="1600">
+                        <a:rPr lang="en-US" sz="1600" dirty="0">
                           <a:solidFill>
                             <a:schemeClr val="dk1"/>
                           </a:solidFill>
                         </a:rPr>
                         <a:t>3.486</a:t>
                       </a:r>
-                      <a:endParaRPr sz="1600">
+                      <a:endParaRPr sz="1600" dirty="0">
                         <a:solidFill>
                           <a:schemeClr val="dk1"/>
                         </a:solidFill>
@@ -36006,8 +36006,8 @@
         </p:nvSpPr>
         <p:spPr>
           <a:xfrm>
-            <a:off x="6780925" y="4027000"/>
-            <a:ext cx="2258700" cy="639900"/>
+            <a:off x="7037881" y="4027000"/>
+            <a:ext cx="2001743" cy="639900"/>
           </a:xfrm>
           <a:prstGeom prst="rect">
             <a:avLst/>
@@ -36031,7 +36031,7 @@
           </a:bodyPr>
           <a:lstStyle/>
           <a:p>
-            <a:pPr marL="0" marR="0" lvl="0" indent="0" algn="l" rtl="0">
+            <a:pPr marL="0" marR="0" lvl="0" indent="0" algn="ctr" rtl="0">
               <a:spcBef>
                 <a:spcPts val="0"/>
               </a:spcBef>
@@ -36044,7 +36044,7 @@
               <a:rPr lang="en-US" dirty="0">
                 <a:hlinkClick r:id="rId3"/>
               </a:rPr>
-              <a:t>Example 1</a:t>
+              <a:t>Solution</a:t>
             </a:r>
             <a:endParaRPr sz="3200" b="1" i="0" u="none" strike="noStrike" cap="none" dirty="0">
               <a:solidFill>
@@ -36335,7 +36335,7 @@
           </a:bodyPr>
           <a:lstStyle/>
           <a:p>
-            <a:pPr marL="0" marR="0" lvl="0" indent="0" algn="l" rtl="0">
+            <a:pPr marL="0" marR="0" lvl="0" indent="0" algn="ctr" rtl="0">
               <a:spcBef>
                 <a:spcPts val="0"/>
               </a:spcBef>
@@ -36348,7 +36348,7 @@
               <a:rPr lang="en-US" dirty="0">
                 <a:hlinkClick r:id="rId3"/>
               </a:rPr>
-              <a:t>Example 2</a:t>
+              <a:t>Solution</a:t>
             </a:r>
             <a:endParaRPr sz="3200" b="1" i="0" u="none" strike="noStrike" cap="none" dirty="0">
               <a:solidFill>
